--- a/KEYLOGGER MAN.pptx
+++ b/KEYLOGGER MAN.pptx
@@ -3780,7 +3780,7 @@
         <p:spPr>
           <a:xfrm>
             <a:off x="857224" y="3643314"/>
-            <a:ext cx="7980183" cy="707886"/>
+            <a:ext cx="7980183" cy="1015663"/>
           </a:xfrm>
           <a:prstGeom prst="rect">
             <a:avLst/>
@@ -3833,7 +3833,27 @@
                 <a:latin typeface="Arial"/>
                 <a:cs typeface="Arial"/>
               </a:rPr>
-              <a:t> Information Technology</a:t>
+              <a:t>- </a:t>
+            </a:r>
+            <a:r>
+              <a:rPr lang="en-US" sz="2000" b="1" dirty="0" err="1" smtClean="0">
+                <a:solidFill>
+                  <a:schemeClr val="bg1"/>
+                </a:solidFill>
+                <a:latin typeface="Arial"/>
+                <a:cs typeface="Arial"/>
+              </a:rPr>
+              <a:t>st.joseph</a:t>
+            </a:r>
+            <a:r>
+              <a:rPr lang="en-US" sz="2000" b="1" dirty="0" smtClean="0">
+                <a:solidFill>
+                  <a:schemeClr val="bg1"/>
+                </a:solidFill>
+                <a:latin typeface="Arial"/>
+                <a:cs typeface="Arial"/>
+              </a:rPr>
+              <a:t> college of engineering - Information Technology</a:t>
             </a:r>
             <a:endParaRPr lang="en-US" sz="2000" b="1" dirty="0">
               <a:solidFill>
